--- a/Playwright.pptx
+++ b/Playwright.pptx
@@ -30,9 +30,7 @@
     <p:sldId id="278" r:id="rId27"/>
     <p:sldId id="270" r:id="rId28"/>
     <p:sldId id="298" r:id="rId29"/>
-    <p:sldId id="259" r:id="rId30"/>
-    <p:sldId id="296" r:id="rId31"/>
-    <p:sldId id="262" r:id="rId32"/>
+    <p:sldId id="262" r:id="rId30"/>
   </p:sldIdLst>
   <p:sldSz cx="9601200" cy="5400675"/>
   <p:notesSz cx="6858000" cy="9144000"/>
@@ -12911,765 +12909,6 @@
 </file>
 
 <file path=ppt/slides/slide26.xml><?xml version="1.0" encoding="utf-8"?>
-<p:sld xmlns:a="http://schemas.openxmlformats.org/drawingml/2006/main" xmlns:r="http://schemas.openxmlformats.org/officeDocument/2006/relationships" xmlns:p="http://schemas.openxmlformats.org/presentationml/2006/main">
-  <p:cSld>
-    <p:spTree>
-      <p:nvGrpSpPr>
-        <p:cNvPr id="1" name=""/>
-        <p:cNvGrpSpPr/>
-        <p:nvPr/>
-      </p:nvGrpSpPr>
-      <p:grpSpPr>
-        <a:xfrm>
-          <a:off x="0" y="0"/>
-          <a:ext cx="0" cy="0"/>
-          <a:chOff x="0" y="0"/>
-          <a:chExt cx="0" cy="0"/>
-        </a:xfrm>
-      </p:grpSpPr>
-      <p:pic>
-        <p:nvPicPr>
-          <p:cNvPr id="5" name="Afbeelding 4">
-            <a:extLst>
-              <a:ext uri="{FF2B5EF4-FFF2-40B4-BE49-F238E27FC236}">
-                <a16:creationId xmlns:a16="http://schemas.microsoft.com/office/drawing/2014/main" id="{C4747F1C-9209-D928-5A77-B8BE219E892F}"/>
-              </a:ext>
-            </a:extLst>
-          </p:cNvPr>
-          <p:cNvPicPr>
-            <a:picLocks noChangeAspect="1"/>
-          </p:cNvPicPr>
-          <p:nvPr/>
-        </p:nvPicPr>
-        <p:blipFill>
-          <a:blip r:embed="rId2"/>
-          <a:srcRect/>
-          <a:stretch/>
-        </p:blipFill>
-        <p:spPr>
-          <a:xfrm>
-            <a:off x="0" y="-180530"/>
-            <a:ext cx="9596965" cy="5760890"/>
-          </a:xfrm>
-          <a:prstGeom prst="rect">
-            <a:avLst/>
-          </a:prstGeom>
-        </p:spPr>
-      </p:pic>
-      <p:sp>
-        <p:nvSpPr>
-          <p:cNvPr id="6" name="Tekstvak 5">
-            <a:extLst>
-              <a:ext uri="{FF2B5EF4-FFF2-40B4-BE49-F238E27FC236}">
-                <a16:creationId xmlns:a16="http://schemas.microsoft.com/office/drawing/2014/main" id="{F923E5C0-7942-3EB0-727F-8EED74A0C895}"/>
-              </a:ext>
-            </a:extLst>
-          </p:cNvPr>
-          <p:cNvSpPr txBox="1"/>
-          <p:nvPr/>
-        </p:nvSpPr>
-        <p:spPr>
-          <a:xfrm>
-            <a:off x="2084090" y="741790"/>
-            <a:ext cx="4558395" cy="584904"/>
-          </a:xfrm>
-          <a:prstGeom prst="rect">
-            <a:avLst/>
-          </a:prstGeom>
-          <a:noFill/>
-        </p:spPr>
-        <p:txBody>
-          <a:bodyPr wrap="square" rtlCol="0">
-            <a:spAutoFit/>
-          </a:bodyPr>
-          <a:lstStyle/>
-          <a:p>
-            <a:r>
-              <a:rPr lang="nl-NL" sz="3201" b="1" dirty="0">
-                <a:solidFill>
-                  <a:srgbClr val="00A67A"/>
-                </a:solidFill>
-                <a:latin typeface="Roboto" pitchFamily="2" charset="0"/>
-                <a:ea typeface="Roboto" pitchFamily="2" charset="0"/>
-              </a:rPr>
-              <a:t>Handige links</a:t>
-            </a:r>
-          </a:p>
-        </p:txBody>
-      </p:sp>
-      <p:sp>
-        <p:nvSpPr>
-          <p:cNvPr id="8" name="Tekstvak 7">
-            <a:extLst>
-              <a:ext uri="{FF2B5EF4-FFF2-40B4-BE49-F238E27FC236}">
-                <a16:creationId xmlns:a16="http://schemas.microsoft.com/office/drawing/2014/main" id="{BF0E1EE6-17C9-03D9-3DCE-5F47F0E92AEE}"/>
-              </a:ext>
-            </a:extLst>
-          </p:cNvPr>
-          <p:cNvSpPr txBox="1"/>
-          <p:nvPr/>
-        </p:nvSpPr>
-        <p:spPr>
-          <a:xfrm>
-            <a:off x="2084090" y="1394543"/>
-            <a:ext cx="6509461" cy="4231158"/>
-          </a:xfrm>
-          <a:prstGeom prst="rect">
-            <a:avLst/>
-          </a:prstGeom>
-          <a:noFill/>
-        </p:spPr>
-        <p:txBody>
-          <a:bodyPr wrap="square" rtlCol="0">
-            <a:spAutoFit/>
-          </a:bodyPr>
-          <a:lstStyle/>
-          <a:p>
-            <a:r>
-              <a:rPr lang="nl-NL" sz="1494" b="1" dirty="0">
-                <a:solidFill>
-                  <a:srgbClr val="343A64"/>
-                </a:solidFill>
-                <a:latin typeface="Roboto Lt" pitchFamily="2" charset="0"/>
-                <a:ea typeface="Roboto Lt" pitchFamily="2" charset="0"/>
-              </a:rPr>
-              <a:t>Playwright documentatie</a:t>
-            </a:r>
-          </a:p>
-          <a:p>
-            <a:pPr marL="285750" indent="-285750">
-              <a:buFont typeface="Arial" panose="020B0604020202020204" pitchFamily="34" charset="0"/>
-              <a:buChar char="•"/>
-            </a:pPr>
-            <a:r>
-              <a:rPr lang="nl-NL" sz="1494" dirty="0">
-                <a:solidFill>
-                  <a:srgbClr val="343A64"/>
-                </a:solidFill>
-                <a:latin typeface="Roboto Lt" pitchFamily="2" charset="0"/>
-                <a:ea typeface="Roboto Lt" pitchFamily="2" charset="0"/>
-                <a:hlinkClick r:id="rId3"/>
-              </a:rPr>
-              <a:t>https://playwright.dev/docs/getting-started-vscode</a:t>
-            </a:r>
-            <a:endParaRPr lang="nl-NL" sz="1494" dirty="0">
-              <a:solidFill>
-                <a:srgbClr val="343A64"/>
-              </a:solidFill>
-              <a:latin typeface="Roboto Lt" pitchFamily="2" charset="0"/>
-              <a:ea typeface="Roboto Lt" pitchFamily="2" charset="0"/>
-            </a:endParaRPr>
-          </a:p>
-          <a:p>
-            <a:pPr marL="285750" indent="-285750">
-              <a:buFont typeface="Arial" panose="020B0604020202020204" pitchFamily="34" charset="0"/>
-              <a:buChar char="•"/>
-            </a:pPr>
-            <a:r>
-              <a:rPr lang="nl-NL" sz="1494" dirty="0">
-                <a:solidFill>
-                  <a:srgbClr val="343A64"/>
-                </a:solidFill>
-                <a:latin typeface="Roboto Lt" pitchFamily="2" charset="0"/>
-                <a:ea typeface="Roboto Lt" pitchFamily="2" charset="0"/>
-                <a:hlinkClick r:id="rId4"/>
-              </a:rPr>
-              <a:t>https://playwright.dev/docs/intro</a:t>
-            </a:r>
-          </a:p>
-          <a:p>
-            <a:pPr marL="285750" indent="-285750">
-              <a:buFont typeface="Arial" panose="020B0604020202020204" pitchFamily="34" charset="0"/>
-              <a:buChar char="•"/>
-            </a:pPr>
-            <a:r>
-              <a:rPr lang="nl-NL" sz="1494" dirty="0">
-                <a:solidFill>
-                  <a:srgbClr val="343A64"/>
-                </a:solidFill>
-                <a:latin typeface="Roboto Lt" pitchFamily="2" charset="0"/>
-                <a:ea typeface="Roboto Lt" pitchFamily="2" charset="0"/>
-                <a:hlinkClick r:id="rId4"/>
-              </a:rPr>
-              <a:t>https://playwright.dev/docs/writing-tests</a:t>
-            </a:r>
-          </a:p>
-          <a:p>
-            <a:pPr marL="285750" indent="-285750">
-              <a:buFont typeface="Arial" panose="020B0604020202020204" pitchFamily="34" charset="0"/>
-              <a:buChar char="•"/>
-            </a:pPr>
-            <a:r>
-              <a:rPr lang="nl-NL" sz="1494" dirty="0">
-                <a:solidFill>
-                  <a:srgbClr val="343A64"/>
-                </a:solidFill>
-                <a:latin typeface="Roboto Lt" pitchFamily="2" charset="0"/>
-                <a:ea typeface="Roboto Lt" pitchFamily="2" charset="0"/>
-                <a:hlinkClick r:id="rId4"/>
-              </a:rPr>
-              <a:t>https://playwright.dev/docs/running-tests</a:t>
-            </a:r>
-          </a:p>
-          <a:p>
-            <a:pPr marL="285750" indent="-285750">
-              <a:buFont typeface="Arial" panose="020B0604020202020204" pitchFamily="34" charset="0"/>
-              <a:buChar char="•"/>
-            </a:pPr>
-            <a:r>
-              <a:rPr lang="nl-NL" sz="1494" dirty="0">
-                <a:solidFill>
-                  <a:srgbClr val="343A64"/>
-                </a:solidFill>
-                <a:latin typeface="Roboto Lt" pitchFamily="2" charset="0"/>
-                <a:ea typeface="Roboto Lt" pitchFamily="2" charset="0"/>
-                <a:hlinkClick r:id="rId5"/>
-              </a:rPr>
-              <a:t>https://playwright.dev/docs/locators</a:t>
-            </a:r>
-            <a:endParaRPr lang="nl-NL" sz="1494" dirty="0">
-              <a:solidFill>
-                <a:srgbClr val="343A64"/>
-              </a:solidFill>
-              <a:latin typeface="Roboto Lt" pitchFamily="2" charset="0"/>
-              <a:ea typeface="Roboto Lt" pitchFamily="2" charset="0"/>
-            </a:endParaRPr>
-          </a:p>
-          <a:p>
-            <a:pPr marL="285750" indent="-285750">
-              <a:buFont typeface="Arial" panose="020B0604020202020204" pitchFamily="34" charset="0"/>
-              <a:buChar char="•"/>
-            </a:pPr>
-            <a:r>
-              <a:rPr lang="nl-NL" sz="1494" dirty="0">
-                <a:solidFill>
-                  <a:srgbClr val="343A64"/>
-                </a:solidFill>
-                <a:latin typeface="Roboto Lt" pitchFamily="2" charset="0"/>
-                <a:ea typeface="Roboto Lt" pitchFamily="2" charset="0"/>
-                <a:hlinkClick r:id="rId6"/>
-              </a:rPr>
-              <a:t>https://playwright.dev/docs/selectors</a:t>
-            </a:r>
-            <a:endParaRPr lang="nl-NL" sz="1494" dirty="0">
-              <a:solidFill>
-                <a:srgbClr val="343A64"/>
-              </a:solidFill>
-              <a:latin typeface="Roboto Lt" pitchFamily="2" charset="0"/>
-              <a:ea typeface="Roboto Lt" pitchFamily="2" charset="0"/>
-            </a:endParaRPr>
-          </a:p>
-          <a:p>
-            <a:pPr marL="285750" indent="-285750">
-              <a:buFont typeface="Arial" panose="020B0604020202020204" pitchFamily="34" charset="0"/>
-              <a:buChar char="•"/>
-            </a:pPr>
-            <a:r>
-              <a:rPr lang="nl-NL" sz="1494" dirty="0">
-                <a:solidFill>
-                  <a:srgbClr val="343A64"/>
-                </a:solidFill>
-                <a:latin typeface="Roboto Lt" pitchFamily="2" charset="0"/>
-                <a:ea typeface="Roboto Lt" pitchFamily="2" charset="0"/>
-                <a:hlinkClick r:id="rId7"/>
-              </a:rPr>
-              <a:t>https://playwright.dev/docs/test-assertions</a:t>
-            </a:r>
-            <a:endParaRPr lang="nl-NL" sz="1494" dirty="0">
-              <a:solidFill>
-                <a:srgbClr val="343A64"/>
-              </a:solidFill>
-              <a:latin typeface="Roboto Lt" pitchFamily="2" charset="0"/>
-              <a:ea typeface="Roboto Lt" pitchFamily="2" charset="0"/>
-            </a:endParaRPr>
-          </a:p>
-          <a:p>
-            <a:pPr marL="285750" indent="-285750">
-              <a:buFont typeface="Arial" panose="020B0604020202020204" pitchFamily="34" charset="0"/>
-              <a:buChar char="•"/>
-            </a:pPr>
-            <a:r>
-              <a:rPr lang="nl-NL" sz="1494" dirty="0">
-                <a:solidFill>
-                  <a:srgbClr val="343A64"/>
-                </a:solidFill>
-                <a:latin typeface="Roboto Lt" pitchFamily="2" charset="0"/>
-                <a:ea typeface="Roboto Lt" pitchFamily="2" charset="0"/>
-                <a:hlinkClick r:id="rId8"/>
-              </a:rPr>
-              <a:t>https://playwright.dev/docs/pom</a:t>
-            </a:r>
-            <a:endParaRPr lang="nl-NL" sz="1494" dirty="0">
-              <a:solidFill>
-                <a:srgbClr val="343A64"/>
-              </a:solidFill>
-              <a:latin typeface="Roboto Lt" pitchFamily="2" charset="0"/>
-              <a:ea typeface="Roboto Lt" pitchFamily="2" charset="0"/>
-            </a:endParaRPr>
-          </a:p>
-          <a:p>
-            <a:endParaRPr lang="nl-NL" sz="1494" dirty="0">
-              <a:solidFill>
-                <a:srgbClr val="343A64"/>
-              </a:solidFill>
-              <a:latin typeface="Roboto Lt" pitchFamily="2" charset="0"/>
-              <a:ea typeface="Roboto Lt" pitchFamily="2" charset="0"/>
-            </a:endParaRPr>
-          </a:p>
-          <a:p>
-            <a:r>
-              <a:rPr lang="nl-NL" sz="1494" b="1" dirty="0" err="1">
-                <a:solidFill>
-                  <a:srgbClr val="343A64"/>
-                </a:solidFill>
-                <a:latin typeface="Roboto Lt" pitchFamily="2" charset="0"/>
-                <a:ea typeface="Roboto Lt" pitchFamily="2" charset="0"/>
-              </a:rPr>
-              <a:t>Youtube</a:t>
-            </a:r>
-            <a:endParaRPr lang="nl-NL" sz="1494" b="1" dirty="0">
-              <a:solidFill>
-                <a:srgbClr val="343A64"/>
-              </a:solidFill>
-              <a:latin typeface="Roboto Lt" pitchFamily="2" charset="0"/>
-              <a:ea typeface="Roboto Lt" pitchFamily="2" charset="0"/>
-            </a:endParaRPr>
-          </a:p>
-          <a:p>
-            <a:pPr marL="285750" indent="-285750">
-              <a:buFont typeface="Arial" panose="020B0604020202020204" pitchFamily="34" charset="0"/>
-              <a:buChar char="•"/>
-            </a:pPr>
-            <a:r>
-              <a:rPr lang="nl-NL" sz="1494" dirty="0">
-                <a:solidFill>
-                  <a:srgbClr val="343A64"/>
-                </a:solidFill>
-                <a:latin typeface="Roboto Lt" pitchFamily="2" charset="0"/>
-                <a:ea typeface="Roboto Lt" pitchFamily="2" charset="0"/>
-                <a:hlinkClick r:id="rId9"/>
-              </a:rPr>
-              <a:t>https://www.youtube.com/@Playwrightdev</a:t>
-            </a:r>
-            <a:endParaRPr lang="nl-NL" sz="1494" dirty="0">
-              <a:solidFill>
-                <a:srgbClr val="343A64"/>
-              </a:solidFill>
-              <a:latin typeface="Roboto Lt" pitchFamily="2" charset="0"/>
-              <a:ea typeface="Roboto Lt" pitchFamily="2" charset="0"/>
-            </a:endParaRPr>
-          </a:p>
-          <a:p>
-            <a:pPr marL="285750" indent="-285750">
-              <a:buFont typeface="Arial" panose="020B0604020202020204" pitchFamily="34" charset="0"/>
-              <a:buChar char="•"/>
-            </a:pPr>
-            <a:r>
-              <a:rPr lang="nl-NL" sz="1494" dirty="0">
-                <a:solidFill>
-                  <a:srgbClr val="343A64"/>
-                </a:solidFill>
-                <a:latin typeface="Roboto Lt" pitchFamily="2" charset="0"/>
-                <a:ea typeface="Roboto Lt" pitchFamily="2" charset="0"/>
-                <a:hlinkClick r:id="rId10"/>
-              </a:rPr>
-              <a:t>https://www.youtube.com/watch?v=fncL63KRA-0&amp;t=1586s</a:t>
-            </a:r>
-            <a:endParaRPr lang="nl-NL" sz="1494" dirty="0">
-              <a:solidFill>
-                <a:srgbClr val="343A64"/>
-              </a:solidFill>
-              <a:latin typeface="Roboto Lt" pitchFamily="2" charset="0"/>
-              <a:ea typeface="Roboto Lt" pitchFamily="2" charset="0"/>
-            </a:endParaRPr>
-          </a:p>
-          <a:p>
-            <a:pPr marL="285750" indent="-285750">
-              <a:buFont typeface="Arial" panose="020B0604020202020204" pitchFamily="34" charset="0"/>
-              <a:buChar char="•"/>
-            </a:pPr>
-            <a:r>
-              <a:rPr lang="nl-NL" sz="1494" dirty="0">
-                <a:solidFill>
-                  <a:srgbClr val="343A64"/>
-                </a:solidFill>
-                <a:latin typeface="Roboto Lt" pitchFamily="2" charset="0"/>
-                <a:ea typeface="Roboto Lt" pitchFamily="2" charset="0"/>
-                <a:hlinkClick r:id="rId11"/>
-              </a:rPr>
-              <a:t>https://www.youtube.com/watch?v=RwNZTjwhgXc&amp;t=5512s</a:t>
-            </a:r>
-            <a:endParaRPr lang="nl-NL" sz="1494" dirty="0">
-              <a:solidFill>
-                <a:srgbClr val="343A64"/>
-              </a:solidFill>
-              <a:latin typeface="Roboto Lt" pitchFamily="2" charset="0"/>
-              <a:ea typeface="Roboto Lt" pitchFamily="2" charset="0"/>
-            </a:endParaRPr>
-          </a:p>
-          <a:p>
-            <a:pPr marL="285750" indent="-285750">
-              <a:buFont typeface="Arial" panose="020B0604020202020204" pitchFamily="34" charset="0"/>
-              <a:buChar char="•"/>
-            </a:pPr>
-            <a:endParaRPr lang="nl-NL" sz="1494" dirty="0">
-              <a:solidFill>
-                <a:srgbClr val="343A64"/>
-              </a:solidFill>
-              <a:latin typeface="Roboto Lt" pitchFamily="2" charset="0"/>
-              <a:ea typeface="Roboto Lt" pitchFamily="2" charset="0"/>
-            </a:endParaRPr>
-          </a:p>
-          <a:p>
-            <a:r>
-              <a:rPr lang="nl-NL" sz="1494" b="1" dirty="0">
-                <a:solidFill>
-                  <a:srgbClr val="343A64"/>
-                </a:solidFill>
-                <a:latin typeface="Roboto Lt" pitchFamily="2" charset="0"/>
-                <a:ea typeface="Roboto Lt" pitchFamily="2" charset="0"/>
-              </a:rPr>
-              <a:t>Test automation </a:t>
-            </a:r>
-            <a:r>
-              <a:rPr lang="nl-NL" sz="1494" b="1" dirty="0" err="1">
-                <a:solidFill>
-                  <a:srgbClr val="343A64"/>
-                </a:solidFill>
-                <a:latin typeface="Roboto Lt" pitchFamily="2" charset="0"/>
-                <a:ea typeface="Roboto Lt" pitchFamily="2" charset="0"/>
-              </a:rPr>
-              <a:t>university</a:t>
-            </a:r>
-            <a:endParaRPr lang="nl-NL" sz="1494" b="1" dirty="0">
-              <a:solidFill>
-                <a:srgbClr val="343A64"/>
-              </a:solidFill>
-              <a:latin typeface="Roboto Lt" pitchFamily="2" charset="0"/>
-              <a:ea typeface="Roboto Lt" pitchFamily="2" charset="0"/>
-            </a:endParaRPr>
-          </a:p>
-          <a:p>
-            <a:pPr marL="285750" indent="-285750">
-              <a:buFont typeface="Arial" panose="020B0604020202020204" pitchFamily="34" charset="0"/>
-              <a:buChar char="•"/>
-            </a:pPr>
-            <a:r>
-              <a:rPr lang="nl-NL" sz="1494" dirty="0">
-                <a:solidFill>
-                  <a:srgbClr val="343A64"/>
-                </a:solidFill>
-                <a:latin typeface="Roboto Lt" pitchFamily="2" charset="0"/>
-                <a:ea typeface="Roboto Lt" pitchFamily="2" charset="0"/>
-                <a:hlinkClick r:id="rId12"/>
-              </a:rPr>
-              <a:t>https://testautomationu.applitools.com/js-playwright-tutorial/</a:t>
-            </a:r>
-            <a:endParaRPr lang="nl-NL" sz="1494" dirty="0">
-              <a:solidFill>
-                <a:srgbClr val="343A64"/>
-              </a:solidFill>
-              <a:latin typeface="Roboto Lt" pitchFamily="2" charset="0"/>
-              <a:ea typeface="Roboto Lt" pitchFamily="2" charset="0"/>
-            </a:endParaRPr>
-          </a:p>
-          <a:p>
-            <a:pPr marL="285750" indent="-285750">
-              <a:buFont typeface="Arial" panose="020B0604020202020204" pitchFamily="34" charset="0"/>
-              <a:buChar char="•"/>
-            </a:pPr>
-            <a:endParaRPr lang="nl-NL" sz="1494" b="1" dirty="0">
-              <a:solidFill>
-                <a:srgbClr val="343A64"/>
-              </a:solidFill>
-              <a:latin typeface="Roboto Lt" pitchFamily="2" charset="0"/>
-              <a:ea typeface="Roboto Lt" pitchFamily="2" charset="0"/>
-            </a:endParaRPr>
-          </a:p>
-        </p:txBody>
-      </p:sp>
-    </p:spTree>
-    <p:extLst>
-      <p:ext uri="{BB962C8B-B14F-4D97-AF65-F5344CB8AC3E}">
-        <p14:creationId xmlns:p14="http://schemas.microsoft.com/office/powerpoint/2010/main" val="3444863954"/>
-      </p:ext>
-    </p:extLst>
-  </p:cSld>
-  <p:clrMapOvr>
-    <a:masterClrMapping/>
-  </p:clrMapOvr>
-</p:sld>
-</file>
-
-<file path=ppt/slides/slide27.xml><?xml version="1.0" encoding="utf-8"?>
-<p:sld xmlns:a="http://schemas.openxmlformats.org/drawingml/2006/main" xmlns:r="http://schemas.openxmlformats.org/officeDocument/2006/relationships" xmlns:p="http://schemas.openxmlformats.org/presentationml/2006/main">
-  <p:cSld>
-    <p:spTree>
-      <p:nvGrpSpPr>
-        <p:cNvPr id="1" name=""/>
-        <p:cNvGrpSpPr/>
-        <p:nvPr/>
-      </p:nvGrpSpPr>
-      <p:grpSpPr>
-        <a:xfrm>
-          <a:off x="0" y="0"/>
-          <a:ext cx="0" cy="0"/>
-          <a:chOff x="0" y="0"/>
-          <a:chExt cx="0" cy="0"/>
-        </a:xfrm>
-      </p:grpSpPr>
-      <p:pic>
-        <p:nvPicPr>
-          <p:cNvPr id="5" name="Afbeelding 4">
-            <a:extLst>
-              <a:ext uri="{FF2B5EF4-FFF2-40B4-BE49-F238E27FC236}">
-                <a16:creationId xmlns:a16="http://schemas.microsoft.com/office/drawing/2014/main" id="{C4747F1C-9209-D928-5A77-B8BE219E892F}"/>
-              </a:ext>
-            </a:extLst>
-          </p:cNvPr>
-          <p:cNvPicPr>
-            <a:picLocks noChangeAspect="1"/>
-          </p:cNvPicPr>
-          <p:nvPr/>
-        </p:nvPicPr>
-        <p:blipFill>
-          <a:blip r:embed="rId2"/>
-          <a:srcRect/>
-          <a:stretch/>
-        </p:blipFill>
-        <p:spPr>
-          <a:xfrm>
-            <a:off x="0" y="-180530"/>
-            <a:ext cx="9596965" cy="5760890"/>
-          </a:xfrm>
-          <a:prstGeom prst="rect">
-            <a:avLst/>
-          </a:prstGeom>
-        </p:spPr>
-      </p:pic>
-      <p:sp>
-        <p:nvSpPr>
-          <p:cNvPr id="6" name="Tekstvak 5">
-            <a:extLst>
-              <a:ext uri="{FF2B5EF4-FFF2-40B4-BE49-F238E27FC236}">
-                <a16:creationId xmlns:a16="http://schemas.microsoft.com/office/drawing/2014/main" id="{F923E5C0-7942-3EB0-727F-8EED74A0C895}"/>
-              </a:ext>
-            </a:extLst>
-          </p:cNvPr>
-          <p:cNvSpPr txBox="1"/>
-          <p:nvPr/>
-        </p:nvSpPr>
-        <p:spPr>
-          <a:xfrm>
-            <a:off x="2084090" y="741790"/>
-            <a:ext cx="4558395" cy="584904"/>
-          </a:xfrm>
-          <a:prstGeom prst="rect">
-            <a:avLst/>
-          </a:prstGeom>
-          <a:noFill/>
-        </p:spPr>
-        <p:txBody>
-          <a:bodyPr wrap="square" rtlCol="0">
-            <a:spAutoFit/>
-          </a:bodyPr>
-          <a:lstStyle/>
-          <a:p>
-            <a:r>
-              <a:rPr lang="nl-NL" sz="3201" b="1" dirty="0">
-                <a:solidFill>
-                  <a:srgbClr val="00A67A"/>
-                </a:solidFill>
-                <a:latin typeface="Roboto" pitchFamily="2" charset="0"/>
-                <a:ea typeface="Roboto" pitchFamily="2" charset="0"/>
-              </a:rPr>
-              <a:t>Handige links</a:t>
-            </a:r>
-          </a:p>
-        </p:txBody>
-      </p:sp>
-      <p:sp>
-        <p:nvSpPr>
-          <p:cNvPr id="8" name="Tekstvak 7">
-            <a:extLst>
-              <a:ext uri="{FF2B5EF4-FFF2-40B4-BE49-F238E27FC236}">
-                <a16:creationId xmlns:a16="http://schemas.microsoft.com/office/drawing/2014/main" id="{BF0E1EE6-17C9-03D9-3DCE-5F47F0E92AEE}"/>
-              </a:ext>
-            </a:extLst>
-          </p:cNvPr>
-          <p:cNvSpPr txBox="1"/>
-          <p:nvPr/>
-        </p:nvSpPr>
-        <p:spPr>
-          <a:xfrm>
-            <a:off x="2084090" y="1394543"/>
-            <a:ext cx="6509461" cy="1931811"/>
-          </a:xfrm>
-          <a:prstGeom prst="rect">
-            <a:avLst/>
-          </a:prstGeom>
-          <a:noFill/>
-        </p:spPr>
-        <p:txBody>
-          <a:bodyPr wrap="square" rtlCol="0">
-            <a:spAutoFit/>
-          </a:bodyPr>
-          <a:lstStyle/>
-          <a:p>
-            <a:r>
-              <a:rPr lang="nl-NL" sz="1494" b="1" dirty="0">
-                <a:solidFill>
-                  <a:srgbClr val="343A64"/>
-                </a:solidFill>
-                <a:latin typeface="Roboto Lt" pitchFamily="2" charset="0"/>
-                <a:ea typeface="Roboto Lt" pitchFamily="2" charset="0"/>
-              </a:rPr>
-              <a:t>Overige documentatie</a:t>
-            </a:r>
-          </a:p>
-          <a:p>
-            <a:pPr marL="285750" indent="-285750">
-              <a:buFont typeface="Arial" panose="020B0604020202020204" pitchFamily="34" charset="0"/>
-              <a:buChar char="•"/>
-            </a:pPr>
-            <a:r>
-              <a:rPr lang="nl-NL" sz="1494" dirty="0">
-                <a:solidFill>
-                  <a:srgbClr val="343A64"/>
-                </a:solidFill>
-                <a:latin typeface="Roboto Lt" pitchFamily="2" charset="0"/>
-                <a:ea typeface="Roboto Lt" pitchFamily="2" charset="0"/>
-                <a:hlinkClick r:id="rId3"/>
-              </a:rPr>
-              <a:t>https://testguild.com/what-is-microsoft-playwright-js/</a:t>
-            </a:r>
-          </a:p>
-          <a:p>
-            <a:pPr marL="285750" indent="-285750">
-              <a:buFont typeface="Arial" panose="020B0604020202020204" pitchFamily="34" charset="0"/>
-              <a:buChar char="•"/>
-            </a:pPr>
-            <a:r>
-              <a:rPr lang="nl-NL" sz="1494" dirty="0">
-                <a:solidFill>
-                  <a:srgbClr val="343A64"/>
-                </a:solidFill>
-                <a:latin typeface="Roboto Lt" pitchFamily="2" charset="0"/>
-                <a:ea typeface="Roboto Lt" pitchFamily="2" charset="0"/>
-                <a:hlinkClick r:id="rId3"/>
-              </a:rPr>
-              <a:t>https://www.programsbuzz.com/article/async-and-await-playwright</a:t>
-            </a:r>
-            <a:endParaRPr lang="nl-NL" sz="1494" dirty="0">
-              <a:solidFill>
-                <a:srgbClr val="343A64"/>
-              </a:solidFill>
-              <a:latin typeface="Roboto Lt" pitchFamily="2" charset="0"/>
-              <a:ea typeface="Roboto Lt" pitchFamily="2" charset="0"/>
-            </a:endParaRPr>
-          </a:p>
-          <a:p>
-            <a:pPr marL="285750" indent="-285750">
-              <a:buFont typeface="Arial" panose="020B0604020202020204" pitchFamily="34" charset="0"/>
-              <a:buChar char="•"/>
-            </a:pPr>
-            <a:endParaRPr lang="nl-NL" sz="1494" dirty="0">
-              <a:solidFill>
-                <a:srgbClr val="343A64"/>
-              </a:solidFill>
-              <a:latin typeface="Roboto Lt" pitchFamily="2" charset="0"/>
-              <a:ea typeface="Roboto Lt" pitchFamily="2" charset="0"/>
-            </a:endParaRPr>
-          </a:p>
-          <a:p>
-            <a:r>
-              <a:rPr lang="nl-NL" sz="1494" b="1" dirty="0" err="1">
-                <a:solidFill>
-                  <a:srgbClr val="343A64"/>
-                </a:solidFill>
-                <a:latin typeface="Roboto Lt" pitchFamily="2" charset="0"/>
-                <a:ea typeface="Roboto Lt" pitchFamily="2" charset="0"/>
-              </a:rPr>
-              <a:t>Github</a:t>
-            </a:r>
-            <a:endParaRPr lang="nl-NL" sz="1494" b="1" dirty="0">
-              <a:solidFill>
-                <a:srgbClr val="343A64"/>
-              </a:solidFill>
-              <a:latin typeface="Roboto Lt" pitchFamily="2" charset="0"/>
-              <a:ea typeface="Roboto Lt" pitchFamily="2" charset="0"/>
-            </a:endParaRPr>
-          </a:p>
-          <a:p>
-            <a:pPr marL="285750" indent="-285750">
-              <a:buFont typeface="Arial" panose="020B0604020202020204" pitchFamily="34" charset="0"/>
-              <a:buChar char="•"/>
-            </a:pPr>
-            <a:r>
-              <a:rPr lang="nl-NL" sz="1494" dirty="0">
-                <a:solidFill>
-                  <a:srgbClr val="343A64"/>
-                </a:solidFill>
-                <a:latin typeface="Roboto Lt" pitchFamily="2" charset="0"/>
-                <a:ea typeface="Roboto Lt" pitchFamily="2" charset="0"/>
-                <a:hlinkClick r:id="rId4"/>
-              </a:rPr>
-              <a:t>.</a:t>
-            </a:r>
-          </a:p>
-          <a:p>
-            <a:pPr marL="285750" indent="-285750">
-              <a:buFont typeface="Arial" panose="020B0604020202020204" pitchFamily="34" charset="0"/>
-              <a:buChar char="•"/>
-            </a:pPr>
-            <a:r>
-              <a:rPr lang="nl-NL" sz="1494" dirty="0">
-                <a:solidFill>
-                  <a:srgbClr val="343A64"/>
-                </a:solidFill>
-                <a:latin typeface="Roboto Lt" pitchFamily="2" charset="0"/>
-                <a:ea typeface="Roboto Lt" pitchFamily="2" charset="0"/>
-                <a:hlinkClick r:id="rId4"/>
-              </a:rPr>
-              <a:t>https://github.com/applitools/webinar-cypress-vs-playwright</a:t>
-            </a:r>
-            <a:endParaRPr lang="nl-NL" sz="1494" dirty="0">
-              <a:solidFill>
-                <a:srgbClr val="343A64"/>
-              </a:solidFill>
-              <a:latin typeface="Roboto Lt" pitchFamily="2" charset="0"/>
-              <a:ea typeface="Roboto Lt" pitchFamily="2" charset="0"/>
-            </a:endParaRPr>
-          </a:p>
-          <a:p>
-            <a:pPr marL="285750" indent="-285750">
-              <a:buFont typeface="Arial" panose="020B0604020202020204" pitchFamily="34" charset="0"/>
-              <a:buChar char="•"/>
-            </a:pPr>
-            <a:endParaRPr lang="nl-NL" sz="1494" b="1" dirty="0">
-              <a:solidFill>
-                <a:srgbClr val="343A64"/>
-              </a:solidFill>
-              <a:latin typeface="Roboto Lt" pitchFamily="2" charset="0"/>
-              <a:ea typeface="Roboto Lt" pitchFamily="2" charset="0"/>
-            </a:endParaRPr>
-          </a:p>
-        </p:txBody>
-      </p:sp>
-    </p:spTree>
-    <p:extLst>
-      <p:ext uri="{BB962C8B-B14F-4D97-AF65-F5344CB8AC3E}">
-        <p14:creationId xmlns:p14="http://schemas.microsoft.com/office/powerpoint/2010/main" val="791825313"/>
-      </p:ext>
-    </p:extLst>
-  </p:cSld>
-  <p:clrMapOvr>
-    <a:masterClrMapping/>
-  </p:clrMapOvr>
-</p:sld>
-</file>
-
-<file path=ppt/slides/slide28.xml><?xml version="1.0" encoding="utf-8"?>
 <p:sld xmlns:a="http://schemas.openxmlformats.org/drawingml/2006/main" xmlns:r="http://schemas.openxmlformats.org/officeDocument/2006/relationships" xmlns:p="http://schemas.openxmlformats.org/presentationml/2006/main">
   <p:cSld>
     <p:spTree>
